--- a/AIstructure.pptx
+++ b/AIstructure.pptx
@@ -104,7 +104,233 @@
       </a:defRPr>
     </a:lvl9pPr>
   </p:defaultTextStyle>
+  <p:extLst>
+    <p:ext uri="{EFAFB233-063F-42B5-8137-9DF3F51BA10A}">
+      <p15:sldGuideLst xmlns:p15="http://schemas.microsoft.com/office/powerpoint/2012/main"/>
+    </p:ext>
+  </p:extLst>
 </p:presentation>
+</file>
+
+<file path=ppt/revisionInfo.xml><?xml version="1.0" encoding="utf-8"?>
+<p1510:revInfo xmlns:a="http://schemas.openxmlformats.org/drawingml/2006/main" xmlns:r="http://schemas.openxmlformats.org/officeDocument/2006/relationships" xmlns:p1510="http://schemas.microsoft.com/office/powerpoint/2015/10/main">
+  <p1510:revLst>
+    <p1510:client id="{2356E8A9-3DE0-49DA-9703-6C55DE16494B}" v="9" dt="2023-01-18T04:43:18.937"/>
+  </p1510:revLst>
+</p1510:revInfo>
+</file>
+
+<file path=ppt/changesInfos/changesInfo1.xml><?xml version="1.0" encoding="utf-8"?>
+<pc:chgInfo xmlns:a="http://schemas.openxmlformats.org/drawingml/2006/main" xmlns:r="http://schemas.openxmlformats.org/officeDocument/2006/relationships" xmlns:ac="http://schemas.microsoft.com/office/drawing/2013/main/command" xmlns:pc="http://schemas.microsoft.com/office/powerpoint/2013/main/command">
+  <pc:docChgLst>
+    <pc:chgData name="kimnamseok15@gmail.com" userId="72032f54ec0e3d7c" providerId="LiveId" clId="{2356E8A9-3DE0-49DA-9703-6C55DE16494B}"/>
+    <pc:docChg chg="undo custSel modSld">
+      <pc:chgData name="kimnamseok15@gmail.com" userId="72032f54ec0e3d7c" providerId="LiveId" clId="{2356E8A9-3DE0-49DA-9703-6C55DE16494B}" dt="2023-01-18T04:43:38.615" v="189" actId="20577"/>
+      <pc:docMkLst>
+        <pc:docMk/>
+      </pc:docMkLst>
+      <pc:sldChg chg="addSp delSp modSp mod">
+        <pc:chgData name="kimnamseok15@gmail.com" userId="72032f54ec0e3d7c" providerId="LiveId" clId="{2356E8A9-3DE0-49DA-9703-6C55DE16494B}" dt="2023-01-18T04:43:38.615" v="189" actId="20577"/>
+        <pc:sldMkLst>
+          <pc:docMk/>
+          <pc:sldMk cId="780260295" sldId="256"/>
+        </pc:sldMkLst>
+        <pc:spChg chg="mod">
+          <ac:chgData name="kimnamseok15@gmail.com" userId="72032f54ec0e3d7c" providerId="LiveId" clId="{2356E8A9-3DE0-49DA-9703-6C55DE16494B}" dt="2023-01-18T04:26:25.967" v="37" actId="1076"/>
+          <ac:spMkLst>
+            <pc:docMk/>
+            <pc:sldMk cId="780260295" sldId="256"/>
+            <ac:spMk id="4" creationId="{00000000-0000-0000-0000-000000000000}"/>
+          </ac:spMkLst>
+        </pc:spChg>
+        <pc:spChg chg="mod">
+          <ac:chgData name="kimnamseok15@gmail.com" userId="72032f54ec0e3d7c" providerId="LiveId" clId="{2356E8A9-3DE0-49DA-9703-6C55DE16494B}" dt="2023-01-18T03:30:30.779" v="5" actId="1076"/>
+          <ac:spMkLst>
+            <pc:docMk/>
+            <pc:sldMk cId="780260295" sldId="256"/>
+            <ac:spMk id="5" creationId="{00000000-0000-0000-0000-000000000000}"/>
+          </ac:spMkLst>
+        </pc:spChg>
+        <pc:spChg chg="mod">
+          <ac:chgData name="kimnamseok15@gmail.com" userId="72032f54ec0e3d7c" providerId="LiveId" clId="{2356E8A9-3DE0-49DA-9703-6C55DE16494B}" dt="2023-01-18T03:30:21.900" v="2" actId="1076"/>
+          <ac:spMkLst>
+            <pc:docMk/>
+            <pc:sldMk cId="780260295" sldId="256"/>
+            <ac:spMk id="6" creationId="{00000000-0000-0000-0000-000000000000}"/>
+          </ac:spMkLst>
+        </pc:spChg>
+        <pc:spChg chg="mod">
+          <ac:chgData name="kimnamseok15@gmail.com" userId="72032f54ec0e3d7c" providerId="LiveId" clId="{2356E8A9-3DE0-49DA-9703-6C55DE16494B}" dt="2023-01-18T03:30:21.900" v="2" actId="1076"/>
+          <ac:spMkLst>
+            <pc:docMk/>
+            <pc:sldMk cId="780260295" sldId="256"/>
+            <ac:spMk id="7" creationId="{00000000-0000-0000-0000-000000000000}"/>
+          </ac:spMkLst>
+        </pc:spChg>
+        <pc:spChg chg="mod">
+          <ac:chgData name="kimnamseok15@gmail.com" userId="72032f54ec0e3d7c" providerId="LiveId" clId="{2356E8A9-3DE0-49DA-9703-6C55DE16494B}" dt="2023-01-18T03:30:21.900" v="2" actId="1076"/>
+          <ac:spMkLst>
+            <pc:docMk/>
+            <pc:sldMk cId="780260295" sldId="256"/>
+            <ac:spMk id="8" creationId="{00000000-0000-0000-0000-000000000000}"/>
+          </ac:spMkLst>
+        </pc:spChg>
+        <pc:spChg chg="mod">
+          <ac:chgData name="kimnamseok15@gmail.com" userId="72032f54ec0e3d7c" providerId="LiveId" clId="{2356E8A9-3DE0-49DA-9703-6C55DE16494B}" dt="2023-01-18T03:30:21.900" v="2" actId="1076"/>
+          <ac:spMkLst>
+            <pc:docMk/>
+            <pc:sldMk cId="780260295" sldId="256"/>
+            <ac:spMk id="9" creationId="{00000000-0000-0000-0000-000000000000}"/>
+          </ac:spMkLst>
+        </pc:spChg>
+        <pc:spChg chg="mod">
+          <ac:chgData name="kimnamseok15@gmail.com" userId="72032f54ec0e3d7c" providerId="LiveId" clId="{2356E8A9-3DE0-49DA-9703-6C55DE16494B}" dt="2023-01-18T03:50:23.836" v="35" actId="20577"/>
+          <ac:spMkLst>
+            <pc:docMk/>
+            <pc:sldMk cId="780260295" sldId="256"/>
+            <ac:spMk id="10" creationId="{00000000-0000-0000-0000-000000000000}"/>
+          </ac:spMkLst>
+        </pc:spChg>
+        <pc:spChg chg="mod">
+          <ac:chgData name="kimnamseok15@gmail.com" userId="72032f54ec0e3d7c" providerId="LiveId" clId="{2356E8A9-3DE0-49DA-9703-6C55DE16494B}" dt="2023-01-18T03:30:21.900" v="2" actId="1076"/>
+          <ac:spMkLst>
+            <pc:docMk/>
+            <pc:sldMk cId="780260295" sldId="256"/>
+            <ac:spMk id="11" creationId="{00000000-0000-0000-0000-000000000000}"/>
+          </ac:spMkLst>
+        </pc:spChg>
+        <pc:spChg chg="add mod">
+          <ac:chgData name="kimnamseok15@gmail.com" userId="72032f54ec0e3d7c" providerId="LiveId" clId="{2356E8A9-3DE0-49DA-9703-6C55DE16494B}" dt="2023-01-18T04:41:34.328" v="130" actId="20577"/>
+          <ac:spMkLst>
+            <pc:docMk/>
+            <pc:sldMk cId="780260295" sldId="256"/>
+            <ac:spMk id="37" creationId="{B455865D-A595-AAFD-76F0-80862F8DF7FE}"/>
+          </ac:spMkLst>
+        </pc:spChg>
+        <pc:spChg chg="add mod">
+          <ac:chgData name="kimnamseok15@gmail.com" userId="72032f54ec0e3d7c" providerId="LiveId" clId="{2356E8A9-3DE0-49DA-9703-6C55DE16494B}" dt="2023-01-18T04:41:37.599" v="131" actId="20577"/>
+          <ac:spMkLst>
+            <pc:docMk/>
+            <pc:sldMk cId="780260295" sldId="256"/>
+            <ac:spMk id="38" creationId="{29B25C07-A9DF-E764-5CF4-FD21EDB03736}"/>
+          </ac:spMkLst>
+        </pc:spChg>
+        <pc:spChg chg="add del mod">
+          <ac:chgData name="kimnamseok15@gmail.com" userId="72032f54ec0e3d7c" providerId="LiveId" clId="{2356E8A9-3DE0-49DA-9703-6C55DE16494B}" dt="2023-01-18T04:26:48.538" v="58"/>
+          <ac:spMkLst>
+            <pc:docMk/>
+            <pc:sldMk cId="780260295" sldId="256"/>
+            <ac:spMk id="39" creationId="{6DF599AC-9155-A25C-F789-5E14707CD9A6}"/>
+          </ac:spMkLst>
+        </pc:spChg>
+        <pc:spChg chg="add del mod">
+          <ac:chgData name="kimnamseok15@gmail.com" userId="72032f54ec0e3d7c" providerId="LiveId" clId="{2356E8A9-3DE0-49DA-9703-6C55DE16494B}" dt="2023-01-18T04:29:00.993" v="112" actId="478"/>
+          <ac:spMkLst>
+            <pc:docMk/>
+            <pc:sldMk cId="780260295" sldId="256"/>
+            <ac:spMk id="40" creationId="{740408B2-5BCE-1AC8-4C5A-06C808B4A85C}"/>
+          </ac:spMkLst>
+        </pc:spChg>
+        <pc:spChg chg="add mod">
+          <ac:chgData name="kimnamseok15@gmail.com" userId="72032f54ec0e3d7c" providerId="LiveId" clId="{2356E8A9-3DE0-49DA-9703-6C55DE16494B}" dt="2023-01-18T04:41:38.479" v="132" actId="20577"/>
+          <ac:spMkLst>
+            <pc:docMk/>
+            <pc:sldMk cId="780260295" sldId="256"/>
+            <ac:spMk id="41" creationId="{8A74BB00-4DC7-F55D-2A3F-9448E002696B}"/>
+          </ac:spMkLst>
+        </pc:spChg>
+        <pc:spChg chg="add del">
+          <ac:chgData name="kimnamseok15@gmail.com" userId="72032f54ec0e3d7c" providerId="LiveId" clId="{2356E8A9-3DE0-49DA-9703-6C55DE16494B}" dt="2023-01-18T04:42:24.648" v="134" actId="478"/>
+          <ac:spMkLst>
+            <pc:docMk/>
+            <pc:sldMk cId="780260295" sldId="256"/>
+            <ac:spMk id="42" creationId="{27BC8179-B086-86B4-0222-A4E1C2A18480}"/>
+          </ac:spMkLst>
+        </pc:spChg>
+        <pc:spChg chg="add mod">
+          <ac:chgData name="kimnamseok15@gmail.com" userId="72032f54ec0e3d7c" providerId="LiveId" clId="{2356E8A9-3DE0-49DA-9703-6C55DE16494B}" dt="2023-01-18T04:43:11.513" v="168" actId="1036"/>
+          <ac:spMkLst>
+            <pc:docMk/>
+            <pc:sldMk cId="780260295" sldId="256"/>
+            <ac:spMk id="43" creationId="{99A078BE-FA73-DC0E-8150-CC4D8B105715}"/>
+          </ac:spMkLst>
+        </pc:spChg>
+        <pc:spChg chg="add mod">
+          <ac:chgData name="kimnamseok15@gmail.com" userId="72032f54ec0e3d7c" providerId="LiveId" clId="{2356E8A9-3DE0-49DA-9703-6C55DE16494B}" dt="2023-01-18T04:43:34.113" v="181" actId="20577"/>
+          <ac:spMkLst>
+            <pc:docMk/>
+            <pc:sldMk cId="780260295" sldId="256"/>
+            <ac:spMk id="44" creationId="{78BEF9DA-E8E1-0F63-908D-21B28A2C7CF9}"/>
+          </ac:spMkLst>
+        </pc:spChg>
+        <pc:spChg chg="add mod">
+          <ac:chgData name="kimnamseok15@gmail.com" userId="72032f54ec0e3d7c" providerId="LiveId" clId="{2356E8A9-3DE0-49DA-9703-6C55DE16494B}" dt="2023-01-18T04:43:38.615" v="189" actId="20577"/>
+          <ac:spMkLst>
+            <pc:docMk/>
+            <pc:sldMk cId="780260295" sldId="256"/>
+            <ac:spMk id="45" creationId="{72B1B950-CD00-00B9-8BF5-97FE97D7AD11}"/>
+          </ac:spMkLst>
+        </pc:spChg>
+        <pc:cxnChg chg="mod">
+          <ac:chgData name="kimnamseok15@gmail.com" userId="72032f54ec0e3d7c" providerId="LiveId" clId="{2356E8A9-3DE0-49DA-9703-6C55DE16494B}" dt="2023-01-18T03:30:21.900" v="2" actId="1076"/>
+          <ac:cxnSpMkLst>
+            <pc:docMk/>
+            <pc:sldMk cId="780260295" sldId="256"/>
+            <ac:cxnSpMk id="13" creationId="{00000000-0000-0000-0000-000000000000}"/>
+          </ac:cxnSpMkLst>
+        </pc:cxnChg>
+        <pc:cxnChg chg="mod">
+          <ac:chgData name="kimnamseok15@gmail.com" userId="72032f54ec0e3d7c" providerId="LiveId" clId="{2356E8A9-3DE0-49DA-9703-6C55DE16494B}" dt="2023-01-18T03:30:21.900" v="2" actId="1076"/>
+          <ac:cxnSpMkLst>
+            <pc:docMk/>
+            <pc:sldMk cId="780260295" sldId="256"/>
+            <ac:cxnSpMk id="14" creationId="{00000000-0000-0000-0000-000000000000}"/>
+          </ac:cxnSpMkLst>
+        </pc:cxnChg>
+        <pc:cxnChg chg="mod">
+          <ac:chgData name="kimnamseok15@gmail.com" userId="72032f54ec0e3d7c" providerId="LiveId" clId="{2356E8A9-3DE0-49DA-9703-6C55DE16494B}" dt="2023-01-18T03:36:00.316" v="7" actId="1076"/>
+          <ac:cxnSpMkLst>
+            <pc:docMk/>
+            <pc:sldMk cId="780260295" sldId="256"/>
+            <ac:cxnSpMk id="17" creationId="{00000000-0000-0000-0000-000000000000}"/>
+          </ac:cxnSpMkLst>
+        </pc:cxnChg>
+        <pc:cxnChg chg="mod">
+          <ac:chgData name="kimnamseok15@gmail.com" userId="72032f54ec0e3d7c" providerId="LiveId" clId="{2356E8A9-3DE0-49DA-9703-6C55DE16494B}" dt="2023-01-18T03:30:21.900" v="2" actId="1076"/>
+          <ac:cxnSpMkLst>
+            <pc:docMk/>
+            <pc:sldMk cId="780260295" sldId="256"/>
+            <ac:cxnSpMk id="20" creationId="{00000000-0000-0000-0000-000000000000}"/>
+          </ac:cxnSpMkLst>
+        </pc:cxnChg>
+        <pc:cxnChg chg="mod">
+          <ac:chgData name="kimnamseok15@gmail.com" userId="72032f54ec0e3d7c" providerId="LiveId" clId="{2356E8A9-3DE0-49DA-9703-6C55DE16494B}" dt="2023-01-18T03:30:30.779" v="5" actId="1076"/>
+          <ac:cxnSpMkLst>
+            <pc:docMk/>
+            <pc:sldMk cId="780260295" sldId="256"/>
+            <ac:cxnSpMk id="23" creationId="{00000000-0000-0000-0000-000000000000}"/>
+          </ac:cxnSpMkLst>
+        </pc:cxnChg>
+        <pc:cxnChg chg="mod">
+          <ac:chgData name="kimnamseok15@gmail.com" userId="72032f54ec0e3d7c" providerId="LiveId" clId="{2356E8A9-3DE0-49DA-9703-6C55DE16494B}" dt="2023-01-18T03:30:30.779" v="5" actId="1076"/>
+          <ac:cxnSpMkLst>
+            <pc:docMk/>
+            <pc:sldMk cId="780260295" sldId="256"/>
+            <ac:cxnSpMk id="25" creationId="{00000000-0000-0000-0000-000000000000}"/>
+          </ac:cxnSpMkLst>
+        </pc:cxnChg>
+        <pc:cxnChg chg="mod">
+          <ac:chgData name="kimnamseok15@gmail.com" userId="72032f54ec0e3d7c" providerId="LiveId" clId="{2356E8A9-3DE0-49DA-9703-6C55DE16494B}" dt="2023-01-18T04:26:25.967" v="37" actId="1076"/>
+          <ac:cxnSpMkLst>
+            <pc:docMk/>
+            <pc:sldMk cId="780260295" sldId="256"/>
+            <ac:cxnSpMk id="28" creationId="{00000000-0000-0000-0000-000000000000}"/>
+          </ac:cxnSpMkLst>
+        </pc:cxnChg>
+      </pc:sldChg>
+    </pc:docChg>
+  </pc:docChgLst>
+</pc:chgInfo>
 </file>
 
 <file path=ppt/slideLayouts/slideLayout1.xml><?xml version="1.0" encoding="utf-8"?>
@@ -149,10 +375,9 @@
           </a:lstStyle>
           <a:p>
             <a:r>
-              <a:rPr lang="ko-KR" altLang="en-US" smtClean="0"/>
+              <a:rPr lang="ko-KR" altLang="en-US"/>
               <a:t>마스터 제목 스타일 편집</a:t>
             </a:r>
-            <a:endParaRPr lang="ko-KR" altLang="en-US"/>
           </a:p>
         </p:txBody>
       </p:sp>
@@ -214,10 +439,9 @@
           </a:lstStyle>
           <a:p>
             <a:r>
-              <a:rPr lang="ko-KR" altLang="en-US" smtClean="0"/>
+              <a:rPr lang="ko-KR" altLang="en-US"/>
               <a:t>클릭하여 마스터 부제목 스타일 편집</a:t>
             </a:r>
-            <a:endParaRPr lang="ko-KR" altLang="en-US"/>
           </a:p>
         </p:txBody>
       </p:sp>
@@ -238,7 +462,7 @@
           <a:p>
             <a:fld id="{B489873E-9ECA-4D3D-B081-0ECAE6D8CFB8}" type="datetimeFigureOut">
               <a:rPr lang="ko-KR" altLang="en-US" smtClean="0"/>
-              <a:t>2023-01-17</a:t>
+              <a:t>2023-01-18</a:t>
             </a:fld>
             <a:endParaRPr lang="ko-KR" altLang="en-US"/>
           </a:p>
@@ -332,10 +556,9 @@
           <a:lstStyle/>
           <a:p>
             <a:r>
-              <a:rPr lang="ko-KR" altLang="en-US" smtClean="0"/>
+              <a:rPr lang="ko-KR" altLang="en-US"/>
               <a:t>마스터 제목 스타일 편집</a:t>
             </a:r>
-            <a:endParaRPr lang="ko-KR" altLang="en-US"/>
           </a:p>
         </p:txBody>
       </p:sp>
@@ -356,38 +579,37 @@
           <a:p>
             <a:pPr lvl="0"/>
             <a:r>
-              <a:rPr lang="ko-KR" altLang="en-US" smtClean="0"/>
+              <a:rPr lang="ko-KR" altLang="en-US"/>
               <a:t>마스터 텍스트 스타일 편집</a:t>
             </a:r>
           </a:p>
           <a:p>
             <a:pPr lvl="1"/>
             <a:r>
-              <a:rPr lang="ko-KR" altLang="en-US" smtClean="0"/>
+              <a:rPr lang="ko-KR" altLang="en-US"/>
               <a:t>둘째 수준</a:t>
             </a:r>
           </a:p>
           <a:p>
             <a:pPr lvl="2"/>
             <a:r>
-              <a:rPr lang="ko-KR" altLang="en-US" smtClean="0"/>
+              <a:rPr lang="ko-KR" altLang="en-US"/>
               <a:t>셋째 수준</a:t>
             </a:r>
           </a:p>
           <a:p>
             <a:pPr lvl="3"/>
             <a:r>
-              <a:rPr lang="ko-KR" altLang="en-US" smtClean="0"/>
+              <a:rPr lang="ko-KR" altLang="en-US"/>
               <a:t>넷째 수준</a:t>
             </a:r>
           </a:p>
           <a:p>
             <a:pPr lvl="4"/>
             <a:r>
-              <a:rPr lang="ko-KR" altLang="en-US" smtClean="0"/>
+              <a:rPr lang="ko-KR" altLang="en-US"/>
               <a:t>다섯째 수준</a:t>
             </a:r>
-            <a:endParaRPr lang="ko-KR" altLang="en-US"/>
           </a:p>
         </p:txBody>
       </p:sp>
@@ -408,7 +630,7 @@
           <a:p>
             <a:fld id="{B489873E-9ECA-4D3D-B081-0ECAE6D8CFB8}" type="datetimeFigureOut">
               <a:rPr lang="ko-KR" altLang="en-US" smtClean="0"/>
-              <a:t>2023-01-17</a:t>
+              <a:t>2023-01-18</a:t>
             </a:fld>
             <a:endParaRPr lang="ko-KR" altLang="en-US"/>
           </a:p>
@@ -507,10 +729,9 @@
           <a:lstStyle/>
           <a:p>
             <a:r>
-              <a:rPr lang="ko-KR" altLang="en-US" smtClean="0"/>
+              <a:rPr lang="ko-KR" altLang="en-US"/>
               <a:t>마스터 제목 스타일 편집</a:t>
             </a:r>
-            <a:endParaRPr lang="ko-KR" altLang="en-US"/>
           </a:p>
         </p:txBody>
       </p:sp>
@@ -536,38 +757,37 @@
           <a:p>
             <a:pPr lvl="0"/>
             <a:r>
-              <a:rPr lang="ko-KR" altLang="en-US" smtClean="0"/>
+              <a:rPr lang="ko-KR" altLang="en-US"/>
               <a:t>마스터 텍스트 스타일 편집</a:t>
             </a:r>
           </a:p>
           <a:p>
             <a:pPr lvl="1"/>
             <a:r>
-              <a:rPr lang="ko-KR" altLang="en-US" smtClean="0"/>
+              <a:rPr lang="ko-KR" altLang="en-US"/>
               <a:t>둘째 수준</a:t>
             </a:r>
           </a:p>
           <a:p>
             <a:pPr lvl="2"/>
             <a:r>
-              <a:rPr lang="ko-KR" altLang="en-US" smtClean="0"/>
+              <a:rPr lang="ko-KR" altLang="en-US"/>
               <a:t>셋째 수준</a:t>
             </a:r>
           </a:p>
           <a:p>
             <a:pPr lvl="3"/>
             <a:r>
-              <a:rPr lang="ko-KR" altLang="en-US" smtClean="0"/>
+              <a:rPr lang="ko-KR" altLang="en-US"/>
               <a:t>넷째 수준</a:t>
             </a:r>
           </a:p>
           <a:p>
             <a:pPr lvl="4"/>
             <a:r>
-              <a:rPr lang="ko-KR" altLang="en-US" smtClean="0"/>
+              <a:rPr lang="ko-KR" altLang="en-US"/>
               <a:t>다섯째 수준</a:t>
             </a:r>
-            <a:endParaRPr lang="ko-KR" altLang="en-US"/>
           </a:p>
         </p:txBody>
       </p:sp>
@@ -588,7 +808,7 @@
           <a:p>
             <a:fld id="{B489873E-9ECA-4D3D-B081-0ECAE6D8CFB8}" type="datetimeFigureOut">
               <a:rPr lang="ko-KR" altLang="en-US" smtClean="0"/>
-              <a:t>2023-01-17</a:t>
+              <a:t>2023-01-18</a:t>
             </a:fld>
             <a:endParaRPr lang="ko-KR" altLang="en-US"/>
           </a:p>
@@ -682,10 +902,9 @@
           <a:lstStyle/>
           <a:p>
             <a:r>
-              <a:rPr lang="ko-KR" altLang="en-US" smtClean="0"/>
+              <a:rPr lang="ko-KR" altLang="en-US"/>
               <a:t>마스터 제목 스타일 편집</a:t>
             </a:r>
-            <a:endParaRPr lang="ko-KR" altLang="en-US"/>
           </a:p>
         </p:txBody>
       </p:sp>
@@ -706,38 +925,37 @@
           <a:p>
             <a:pPr lvl="0"/>
             <a:r>
-              <a:rPr lang="ko-KR" altLang="en-US" smtClean="0"/>
+              <a:rPr lang="ko-KR" altLang="en-US"/>
               <a:t>마스터 텍스트 스타일 편집</a:t>
             </a:r>
           </a:p>
           <a:p>
             <a:pPr lvl="1"/>
             <a:r>
-              <a:rPr lang="ko-KR" altLang="en-US" smtClean="0"/>
+              <a:rPr lang="ko-KR" altLang="en-US"/>
               <a:t>둘째 수준</a:t>
             </a:r>
           </a:p>
           <a:p>
             <a:pPr lvl="2"/>
             <a:r>
-              <a:rPr lang="ko-KR" altLang="en-US" smtClean="0"/>
+              <a:rPr lang="ko-KR" altLang="en-US"/>
               <a:t>셋째 수준</a:t>
             </a:r>
           </a:p>
           <a:p>
             <a:pPr lvl="3"/>
             <a:r>
-              <a:rPr lang="ko-KR" altLang="en-US" smtClean="0"/>
+              <a:rPr lang="ko-KR" altLang="en-US"/>
               <a:t>넷째 수준</a:t>
             </a:r>
           </a:p>
           <a:p>
             <a:pPr lvl="4"/>
             <a:r>
-              <a:rPr lang="ko-KR" altLang="en-US" smtClean="0"/>
+              <a:rPr lang="ko-KR" altLang="en-US"/>
               <a:t>다섯째 수준</a:t>
             </a:r>
-            <a:endParaRPr lang="ko-KR" altLang="en-US"/>
           </a:p>
         </p:txBody>
       </p:sp>
@@ -758,7 +976,7 @@
           <a:p>
             <a:fld id="{B489873E-9ECA-4D3D-B081-0ECAE6D8CFB8}" type="datetimeFigureOut">
               <a:rPr lang="ko-KR" altLang="en-US" smtClean="0"/>
-              <a:t>2023-01-17</a:t>
+              <a:t>2023-01-18</a:t>
             </a:fld>
             <a:endParaRPr lang="ko-KR" altLang="en-US"/>
           </a:p>
@@ -861,10 +1079,9 @@
           </a:lstStyle>
           <a:p>
             <a:r>
-              <a:rPr lang="ko-KR" altLang="en-US" smtClean="0"/>
+              <a:rPr lang="ko-KR" altLang="en-US"/>
               <a:t>마스터 제목 스타일 편집</a:t>
             </a:r>
-            <a:endParaRPr lang="ko-KR" altLang="en-US"/>
           </a:p>
         </p:txBody>
       </p:sp>
@@ -981,7 +1198,7 @@
           <a:p>
             <a:pPr lvl="0"/>
             <a:r>
-              <a:rPr lang="ko-KR" altLang="en-US" smtClean="0"/>
+              <a:rPr lang="ko-KR" altLang="en-US"/>
               <a:t>마스터 텍스트 스타일 편집</a:t>
             </a:r>
           </a:p>
@@ -1004,7 +1221,7 @@
           <a:p>
             <a:fld id="{B489873E-9ECA-4D3D-B081-0ECAE6D8CFB8}" type="datetimeFigureOut">
               <a:rPr lang="ko-KR" altLang="en-US" smtClean="0"/>
-              <a:t>2023-01-17</a:t>
+              <a:t>2023-01-18</a:t>
             </a:fld>
             <a:endParaRPr lang="ko-KR" altLang="en-US"/>
           </a:p>
@@ -1098,10 +1315,9 @@
           <a:lstStyle/>
           <a:p>
             <a:r>
-              <a:rPr lang="ko-KR" altLang="en-US" smtClean="0"/>
+              <a:rPr lang="ko-KR" altLang="en-US"/>
               <a:t>마스터 제목 스타일 편집</a:t>
             </a:r>
-            <a:endParaRPr lang="ko-KR" altLang="en-US"/>
           </a:p>
         </p:txBody>
       </p:sp>
@@ -1127,38 +1343,37 @@
           <a:p>
             <a:pPr lvl="0"/>
             <a:r>
-              <a:rPr lang="ko-KR" altLang="en-US" smtClean="0"/>
+              <a:rPr lang="ko-KR" altLang="en-US"/>
               <a:t>마스터 텍스트 스타일 편집</a:t>
             </a:r>
           </a:p>
           <a:p>
             <a:pPr lvl="1"/>
             <a:r>
-              <a:rPr lang="ko-KR" altLang="en-US" smtClean="0"/>
+              <a:rPr lang="ko-KR" altLang="en-US"/>
               <a:t>둘째 수준</a:t>
             </a:r>
           </a:p>
           <a:p>
             <a:pPr lvl="2"/>
             <a:r>
-              <a:rPr lang="ko-KR" altLang="en-US" smtClean="0"/>
+              <a:rPr lang="ko-KR" altLang="en-US"/>
               <a:t>셋째 수준</a:t>
             </a:r>
           </a:p>
           <a:p>
             <a:pPr lvl="3"/>
             <a:r>
-              <a:rPr lang="ko-KR" altLang="en-US" smtClean="0"/>
+              <a:rPr lang="ko-KR" altLang="en-US"/>
               <a:t>넷째 수준</a:t>
             </a:r>
           </a:p>
           <a:p>
             <a:pPr lvl="4"/>
             <a:r>
-              <a:rPr lang="ko-KR" altLang="en-US" smtClean="0"/>
+              <a:rPr lang="ko-KR" altLang="en-US"/>
               <a:t>다섯째 수준</a:t>
             </a:r>
-            <a:endParaRPr lang="ko-KR" altLang="en-US"/>
           </a:p>
         </p:txBody>
       </p:sp>
@@ -1184,38 +1399,37 @@
           <a:p>
             <a:pPr lvl="0"/>
             <a:r>
-              <a:rPr lang="ko-KR" altLang="en-US" smtClean="0"/>
+              <a:rPr lang="ko-KR" altLang="en-US"/>
               <a:t>마스터 텍스트 스타일 편집</a:t>
             </a:r>
           </a:p>
           <a:p>
             <a:pPr lvl="1"/>
             <a:r>
-              <a:rPr lang="ko-KR" altLang="en-US" smtClean="0"/>
+              <a:rPr lang="ko-KR" altLang="en-US"/>
               <a:t>둘째 수준</a:t>
             </a:r>
           </a:p>
           <a:p>
             <a:pPr lvl="2"/>
             <a:r>
-              <a:rPr lang="ko-KR" altLang="en-US" smtClean="0"/>
+              <a:rPr lang="ko-KR" altLang="en-US"/>
               <a:t>셋째 수준</a:t>
             </a:r>
           </a:p>
           <a:p>
             <a:pPr lvl="3"/>
             <a:r>
-              <a:rPr lang="ko-KR" altLang="en-US" smtClean="0"/>
+              <a:rPr lang="ko-KR" altLang="en-US"/>
               <a:t>넷째 수준</a:t>
             </a:r>
           </a:p>
           <a:p>
             <a:pPr lvl="4"/>
             <a:r>
-              <a:rPr lang="ko-KR" altLang="en-US" smtClean="0"/>
+              <a:rPr lang="ko-KR" altLang="en-US"/>
               <a:t>다섯째 수준</a:t>
             </a:r>
-            <a:endParaRPr lang="ko-KR" altLang="en-US"/>
           </a:p>
         </p:txBody>
       </p:sp>
@@ -1236,7 +1450,7 @@
           <a:p>
             <a:fld id="{B489873E-9ECA-4D3D-B081-0ECAE6D8CFB8}" type="datetimeFigureOut">
               <a:rPr lang="ko-KR" altLang="en-US" smtClean="0"/>
-              <a:t>2023-01-17</a:t>
+              <a:t>2023-01-18</a:t>
             </a:fld>
             <a:endParaRPr lang="ko-KR" altLang="en-US"/>
           </a:p>
@@ -1335,10 +1549,9 @@
           <a:lstStyle/>
           <a:p>
             <a:r>
-              <a:rPr lang="ko-KR" altLang="en-US" smtClean="0"/>
+              <a:rPr lang="ko-KR" altLang="en-US"/>
               <a:t>마스터 제목 스타일 편집</a:t>
             </a:r>
-            <a:endParaRPr lang="ko-KR" altLang="en-US"/>
           </a:p>
         </p:txBody>
       </p:sp>
@@ -1401,7 +1614,7 @@
           <a:p>
             <a:pPr lvl="0"/>
             <a:r>
-              <a:rPr lang="ko-KR" altLang="en-US" smtClean="0"/>
+              <a:rPr lang="ko-KR" altLang="en-US"/>
               <a:t>마스터 텍스트 스타일 편집</a:t>
             </a:r>
           </a:p>
@@ -1429,38 +1642,37 @@
           <a:p>
             <a:pPr lvl="0"/>
             <a:r>
-              <a:rPr lang="ko-KR" altLang="en-US" smtClean="0"/>
+              <a:rPr lang="ko-KR" altLang="en-US"/>
               <a:t>마스터 텍스트 스타일 편집</a:t>
             </a:r>
           </a:p>
           <a:p>
             <a:pPr lvl="1"/>
             <a:r>
-              <a:rPr lang="ko-KR" altLang="en-US" smtClean="0"/>
+              <a:rPr lang="ko-KR" altLang="en-US"/>
               <a:t>둘째 수준</a:t>
             </a:r>
           </a:p>
           <a:p>
             <a:pPr lvl="2"/>
             <a:r>
-              <a:rPr lang="ko-KR" altLang="en-US" smtClean="0"/>
+              <a:rPr lang="ko-KR" altLang="en-US"/>
               <a:t>셋째 수준</a:t>
             </a:r>
           </a:p>
           <a:p>
             <a:pPr lvl="3"/>
             <a:r>
-              <a:rPr lang="ko-KR" altLang="en-US" smtClean="0"/>
+              <a:rPr lang="ko-KR" altLang="en-US"/>
               <a:t>넷째 수준</a:t>
             </a:r>
           </a:p>
           <a:p>
             <a:pPr lvl="4"/>
             <a:r>
-              <a:rPr lang="ko-KR" altLang="en-US" smtClean="0"/>
+              <a:rPr lang="ko-KR" altLang="en-US"/>
               <a:t>다섯째 수준</a:t>
             </a:r>
-            <a:endParaRPr lang="ko-KR" altLang="en-US"/>
           </a:p>
         </p:txBody>
       </p:sp>
@@ -1523,7 +1735,7 @@
           <a:p>
             <a:pPr lvl="0"/>
             <a:r>
-              <a:rPr lang="ko-KR" altLang="en-US" smtClean="0"/>
+              <a:rPr lang="ko-KR" altLang="en-US"/>
               <a:t>마스터 텍스트 스타일 편집</a:t>
             </a:r>
           </a:p>
@@ -1551,38 +1763,37 @@
           <a:p>
             <a:pPr lvl="0"/>
             <a:r>
-              <a:rPr lang="ko-KR" altLang="en-US" smtClean="0"/>
+              <a:rPr lang="ko-KR" altLang="en-US"/>
               <a:t>마스터 텍스트 스타일 편집</a:t>
             </a:r>
           </a:p>
           <a:p>
             <a:pPr lvl="1"/>
             <a:r>
-              <a:rPr lang="ko-KR" altLang="en-US" smtClean="0"/>
+              <a:rPr lang="ko-KR" altLang="en-US"/>
               <a:t>둘째 수준</a:t>
             </a:r>
           </a:p>
           <a:p>
             <a:pPr lvl="2"/>
             <a:r>
-              <a:rPr lang="ko-KR" altLang="en-US" smtClean="0"/>
+              <a:rPr lang="ko-KR" altLang="en-US"/>
               <a:t>셋째 수준</a:t>
             </a:r>
           </a:p>
           <a:p>
             <a:pPr lvl="3"/>
             <a:r>
-              <a:rPr lang="ko-KR" altLang="en-US" smtClean="0"/>
+              <a:rPr lang="ko-KR" altLang="en-US"/>
               <a:t>넷째 수준</a:t>
             </a:r>
           </a:p>
           <a:p>
             <a:pPr lvl="4"/>
             <a:r>
-              <a:rPr lang="ko-KR" altLang="en-US" smtClean="0"/>
+              <a:rPr lang="ko-KR" altLang="en-US"/>
               <a:t>다섯째 수준</a:t>
             </a:r>
-            <a:endParaRPr lang="ko-KR" altLang="en-US"/>
           </a:p>
         </p:txBody>
       </p:sp>
@@ -1603,7 +1814,7 @@
           <a:p>
             <a:fld id="{B489873E-9ECA-4D3D-B081-0ECAE6D8CFB8}" type="datetimeFigureOut">
               <a:rPr lang="ko-KR" altLang="en-US" smtClean="0"/>
-              <a:t>2023-01-17</a:t>
+              <a:t>2023-01-18</a:t>
             </a:fld>
             <a:endParaRPr lang="ko-KR" altLang="en-US"/>
           </a:p>
@@ -1697,10 +1908,9 @@
           <a:lstStyle/>
           <a:p>
             <a:r>
-              <a:rPr lang="ko-KR" altLang="en-US" smtClean="0"/>
+              <a:rPr lang="ko-KR" altLang="en-US"/>
               <a:t>마스터 제목 스타일 편집</a:t>
             </a:r>
-            <a:endParaRPr lang="ko-KR" altLang="en-US"/>
           </a:p>
         </p:txBody>
       </p:sp>
@@ -1721,7 +1931,7 @@
           <a:p>
             <a:fld id="{B489873E-9ECA-4D3D-B081-0ECAE6D8CFB8}" type="datetimeFigureOut">
               <a:rPr lang="ko-KR" altLang="en-US" smtClean="0"/>
-              <a:t>2023-01-17</a:t>
+              <a:t>2023-01-18</a:t>
             </a:fld>
             <a:endParaRPr lang="ko-KR" altLang="en-US"/>
           </a:p>
@@ -1816,7 +2026,7 @@
           <a:p>
             <a:fld id="{B489873E-9ECA-4D3D-B081-0ECAE6D8CFB8}" type="datetimeFigureOut">
               <a:rPr lang="ko-KR" altLang="en-US" smtClean="0"/>
-              <a:t>2023-01-17</a:t>
+              <a:t>2023-01-18</a:t>
             </a:fld>
             <a:endParaRPr lang="ko-KR" altLang="en-US"/>
           </a:p>
@@ -1919,10 +2129,9 @@
           </a:lstStyle>
           <a:p>
             <a:r>
-              <a:rPr lang="ko-KR" altLang="en-US" smtClean="0"/>
+              <a:rPr lang="ko-KR" altLang="en-US"/>
               <a:t>마스터 제목 스타일 편집</a:t>
             </a:r>
-            <a:endParaRPr lang="ko-KR" altLang="en-US"/>
           </a:p>
         </p:txBody>
       </p:sp>
@@ -1976,38 +2185,37 @@
           <a:p>
             <a:pPr lvl="0"/>
             <a:r>
-              <a:rPr lang="ko-KR" altLang="en-US" smtClean="0"/>
+              <a:rPr lang="ko-KR" altLang="en-US"/>
               <a:t>마스터 텍스트 스타일 편집</a:t>
             </a:r>
           </a:p>
           <a:p>
             <a:pPr lvl="1"/>
             <a:r>
-              <a:rPr lang="ko-KR" altLang="en-US" smtClean="0"/>
+              <a:rPr lang="ko-KR" altLang="en-US"/>
               <a:t>둘째 수준</a:t>
             </a:r>
           </a:p>
           <a:p>
             <a:pPr lvl="2"/>
             <a:r>
-              <a:rPr lang="ko-KR" altLang="en-US" smtClean="0"/>
+              <a:rPr lang="ko-KR" altLang="en-US"/>
               <a:t>셋째 수준</a:t>
             </a:r>
           </a:p>
           <a:p>
             <a:pPr lvl="3"/>
             <a:r>
-              <a:rPr lang="ko-KR" altLang="en-US" smtClean="0"/>
+              <a:rPr lang="ko-KR" altLang="en-US"/>
               <a:t>넷째 수준</a:t>
             </a:r>
           </a:p>
           <a:p>
             <a:pPr lvl="4"/>
             <a:r>
-              <a:rPr lang="ko-KR" altLang="en-US" smtClean="0"/>
+              <a:rPr lang="ko-KR" altLang="en-US"/>
               <a:t>다섯째 수준</a:t>
             </a:r>
-            <a:endParaRPr lang="ko-KR" altLang="en-US"/>
           </a:p>
         </p:txBody>
       </p:sp>
@@ -2070,7 +2278,7 @@
           <a:p>
             <a:pPr lvl="0"/>
             <a:r>
-              <a:rPr lang="ko-KR" altLang="en-US" smtClean="0"/>
+              <a:rPr lang="ko-KR" altLang="en-US"/>
               <a:t>마스터 텍스트 스타일 편집</a:t>
             </a:r>
           </a:p>
@@ -2093,7 +2301,7 @@
           <a:p>
             <a:fld id="{B489873E-9ECA-4D3D-B081-0ECAE6D8CFB8}" type="datetimeFigureOut">
               <a:rPr lang="ko-KR" altLang="en-US" smtClean="0"/>
-              <a:t>2023-01-17</a:t>
+              <a:t>2023-01-18</a:t>
             </a:fld>
             <a:endParaRPr lang="ko-KR" altLang="en-US"/>
           </a:p>
@@ -2196,10 +2404,9 @@
           </a:lstStyle>
           <a:p>
             <a:r>
-              <a:rPr lang="ko-KR" altLang="en-US" smtClean="0"/>
+              <a:rPr lang="ko-KR" altLang="en-US"/>
               <a:t>마스터 제목 스타일 편집</a:t>
             </a:r>
-            <a:endParaRPr lang="ko-KR" altLang="en-US"/>
           </a:p>
         </p:txBody>
       </p:sp>
@@ -2323,7 +2530,7 @@
           <a:p>
             <a:pPr lvl="0"/>
             <a:r>
-              <a:rPr lang="ko-KR" altLang="en-US" smtClean="0"/>
+              <a:rPr lang="ko-KR" altLang="en-US"/>
               <a:t>마스터 텍스트 스타일 편집</a:t>
             </a:r>
           </a:p>
@@ -2346,7 +2553,7 @@
           <a:p>
             <a:fld id="{B489873E-9ECA-4D3D-B081-0ECAE6D8CFB8}" type="datetimeFigureOut">
               <a:rPr lang="ko-KR" altLang="en-US" smtClean="0"/>
-              <a:t>2023-01-17</a:t>
+              <a:t>2023-01-18</a:t>
             </a:fld>
             <a:endParaRPr lang="ko-KR" altLang="en-US"/>
           </a:p>
@@ -2455,10 +2662,9 @@
           <a:lstStyle/>
           <a:p>
             <a:r>
-              <a:rPr lang="ko-KR" altLang="en-US" smtClean="0"/>
+              <a:rPr lang="ko-KR" altLang="en-US"/>
               <a:t>마스터 제목 스타일 편집</a:t>
             </a:r>
-            <a:endParaRPr lang="ko-KR" altLang="en-US"/>
           </a:p>
         </p:txBody>
       </p:sp>
@@ -2489,38 +2695,37 @@
           <a:p>
             <a:pPr lvl="0"/>
             <a:r>
-              <a:rPr lang="ko-KR" altLang="en-US" smtClean="0"/>
+              <a:rPr lang="ko-KR" altLang="en-US"/>
               <a:t>마스터 텍스트 스타일 편집</a:t>
             </a:r>
           </a:p>
           <a:p>
             <a:pPr lvl="1"/>
             <a:r>
-              <a:rPr lang="ko-KR" altLang="en-US" smtClean="0"/>
+              <a:rPr lang="ko-KR" altLang="en-US"/>
               <a:t>둘째 수준</a:t>
             </a:r>
           </a:p>
           <a:p>
             <a:pPr lvl="2"/>
             <a:r>
-              <a:rPr lang="ko-KR" altLang="en-US" smtClean="0"/>
+              <a:rPr lang="ko-KR" altLang="en-US"/>
               <a:t>셋째 수준</a:t>
             </a:r>
           </a:p>
           <a:p>
             <a:pPr lvl="3"/>
             <a:r>
-              <a:rPr lang="ko-KR" altLang="en-US" smtClean="0"/>
+              <a:rPr lang="ko-KR" altLang="en-US"/>
               <a:t>넷째 수준</a:t>
             </a:r>
           </a:p>
           <a:p>
             <a:pPr lvl="4"/>
             <a:r>
-              <a:rPr lang="ko-KR" altLang="en-US" smtClean="0"/>
+              <a:rPr lang="ko-KR" altLang="en-US"/>
               <a:t>다섯째 수준</a:t>
             </a:r>
-            <a:endParaRPr lang="ko-KR" altLang="en-US"/>
           </a:p>
         </p:txBody>
       </p:sp>
@@ -2559,7 +2764,7 @@
           <a:p>
             <a:fld id="{B489873E-9ECA-4D3D-B081-0ECAE6D8CFB8}" type="datetimeFigureOut">
               <a:rPr lang="ko-KR" altLang="en-US" smtClean="0"/>
-              <a:t>2023-01-17</a:t>
+              <a:t>2023-01-18</a:t>
             </a:fld>
             <a:endParaRPr lang="ko-KR" altLang="en-US"/>
           </a:p>
@@ -2972,8 +3177,8 @@
         </p:nvSpPr>
         <p:spPr>
           <a:xfrm>
-            <a:off x="4605251" y="299258"/>
-            <a:ext cx="2003367" cy="315884"/>
+            <a:off x="4605251" y="1050176"/>
+            <a:ext cx="2003367" cy="665019"/>
           </a:xfrm>
           <a:prstGeom prst="rect">
             <a:avLst/>
@@ -3001,7 +3206,7 @@
           <a:p>
             <a:pPr algn="ctr"/>
             <a:r>
-              <a:rPr lang="en-US" altLang="ko-KR" dirty="0" smtClean="0"/>
+              <a:rPr lang="en-US" altLang="ko-KR" dirty="0"/>
               <a:t>root</a:t>
             </a:r>
             <a:endParaRPr lang="ko-KR" altLang="en-US" dirty="0"/>
@@ -3016,8 +3221,8 @@
         </p:nvSpPr>
         <p:spPr>
           <a:xfrm>
-            <a:off x="4605251" y="1066800"/>
-            <a:ext cx="2003367" cy="315884"/>
+            <a:off x="4605251" y="2327561"/>
+            <a:ext cx="2003367" cy="665019"/>
           </a:xfrm>
           <a:prstGeom prst="rect">
             <a:avLst/>
@@ -3050,7 +3255,7 @@
           <a:p>
             <a:pPr algn="ctr"/>
             <a:r>
-              <a:rPr lang="en-US" altLang="ko-KR" dirty="0" smtClean="0"/>
+              <a:rPr lang="en-US" altLang="ko-KR" dirty="0"/>
               <a:t>Selector</a:t>
             </a:r>
             <a:endParaRPr lang="ko-KR" altLang="en-US" dirty="0"/>
@@ -3065,8 +3270,8 @@
         </p:nvSpPr>
         <p:spPr>
           <a:xfrm>
-            <a:off x="2014451" y="1967346"/>
-            <a:ext cx="2003367" cy="315884"/>
+            <a:off x="2014451" y="3532910"/>
+            <a:ext cx="2003367" cy="665019"/>
           </a:xfrm>
           <a:prstGeom prst="rect">
             <a:avLst/>
@@ -3094,7 +3299,7 @@
           <a:p>
             <a:pPr algn="ctr"/>
             <a:r>
-              <a:rPr lang="en-US" altLang="ko-KR" dirty="0" err="1" smtClean="0"/>
+              <a:rPr lang="en-US" altLang="ko-KR" dirty="0" err="1"/>
               <a:t>SeqDead</a:t>
             </a:r>
             <a:endParaRPr lang="ko-KR" altLang="en-US" dirty="0"/>
@@ -3109,8 +3314,8 @@
         </p:nvSpPr>
         <p:spPr>
           <a:xfrm>
-            <a:off x="7478684" y="1967346"/>
-            <a:ext cx="2003367" cy="315884"/>
+            <a:off x="7478684" y="3532910"/>
+            <a:ext cx="2003367" cy="665019"/>
           </a:xfrm>
           <a:prstGeom prst="rect">
             <a:avLst/>
@@ -3138,7 +3343,7 @@
           <a:p>
             <a:pPr algn="ctr"/>
             <a:r>
-              <a:rPr lang="en-US" altLang="ko-KR" dirty="0" err="1" smtClean="0"/>
+              <a:rPr lang="en-US" altLang="ko-KR" dirty="0" err="1"/>
               <a:t>SeqMovingAttack</a:t>
             </a:r>
             <a:endParaRPr lang="ko-KR" altLang="en-US" dirty="0"/>
@@ -3153,14 +3358,14 @@
         </p:nvSpPr>
         <p:spPr>
           <a:xfrm>
-            <a:off x="2014450" y="3217023"/>
+            <a:off x="2014450" y="4782588"/>
             <a:ext cx="2003367" cy="665019"/>
           </a:xfrm>
           <a:prstGeom prst="rect">
             <a:avLst/>
           </a:prstGeom>
           <a:solidFill>
-            <a:schemeClr val="accent4"/>
+            <a:schemeClr val="accent2"/>
           </a:solidFill>
         </p:spPr>
         <p:style>
@@ -3185,7 +3390,7 @@
           <a:p>
             <a:pPr algn="ctr"/>
             <a:r>
-              <a:rPr lang="en-US" altLang="ko-KR" dirty="0" err="1" smtClean="0"/>
+              <a:rPr lang="en-US" altLang="ko-KR" dirty="0" err="1"/>
               <a:t>IsDead</a:t>
             </a:r>
             <a:endParaRPr lang="ko-KR" altLang="en-US" dirty="0"/>
@@ -3200,14 +3405,14 @@
         </p:nvSpPr>
         <p:spPr>
           <a:xfrm>
-            <a:off x="5328458" y="3217023"/>
+            <a:off x="5328458" y="4782588"/>
             <a:ext cx="2061557" cy="665019"/>
           </a:xfrm>
           <a:prstGeom prst="rect">
             <a:avLst/>
           </a:prstGeom>
           <a:solidFill>
-            <a:schemeClr val="accent4"/>
+            <a:schemeClr val="accent2"/>
           </a:solidFill>
         </p:spPr>
         <p:style>
@@ -3232,7 +3437,7 @@
           <a:p>
             <a:pPr algn="ctr"/>
             <a:r>
-              <a:rPr lang="en-US" altLang="ko-KR" dirty="0" err="1" smtClean="0"/>
+              <a:rPr lang="en-US" altLang="ko-KR" dirty="0" err="1"/>
               <a:t>MoveFollowTarget</a:t>
             </a:r>
             <a:endParaRPr lang="ko-KR" altLang="en-US" dirty="0"/>
@@ -3247,14 +3452,14 @@
         </p:nvSpPr>
         <p:spPr>
           <a:xfrm>
-            <a:off x="7478684" y="3217023"/>
+            <a:off x="7478684" y="4782588"/>
             <a:ext cx="2003367" cy="665019"/>
           </a:xfrm>
           <a:prstGeom prst="rect">
             <a:avLst/>
           </a:prstGeom>
           <a:solidFill>
-            <a:schemeClr val="accent4"/>
+            <a:schemeClr val="accent2"/>
           </a:solidFill>
         </p:spPr>
         <p:style>
@@ -3279,7 +3484,7 @@
           <a:p>
             <a:pPr algn="ctr"/>
             <a:r>
-              <a:rPr lang="en-US" altLang="ko-KR" dirty="0" err="1" smtClean="0"/>
+              <a:rPr lang="en-US" altLang="ko-KR" dirty="0" err="1"/>
               <a:t>OnAttack</a:t>
             </a:r>
             <a:endParaRPr lang="ko-KR" altLang="en-US" dirty="0"/>
@@ -3294,14 +3499,14 @@
         </p:nvSpPr>
         <p:spPr>
           <a:xfrm>
-            <a:off x="9570720" y="3217023"/>
+            <a:off x="9570720" y="4782588"/>
             <a:ext cx="2003367" cy="665019"/>
           </a:xfrm>
           <a:prstGeom prst="rect">
             <a:avLst/>
           </a:prstGeom>
           <a:solidFill>
-            <a:schemeClr val="accent4"/>
+            <a:schemeClr val="accent2"/>
           </a:solidFill>
         </p:spPr>
         <p:style>
@@ -3326,7 +3531,7 @@
           <a:p>
             <a:pPr algn="ctr"/>
             <a:r>
-              <a:rPr lang="en-US" altLang="ko-KR" dirty="0" err="1" smtClean="0"/>
+              <a:rPr lang="en-US" altLang="ko-KR" dirty="0" err="1"/>
               <a:t>MoveBackolloewTarget</a:t>
             </a:r>
             <a:endParaRPr lang="ko-KR" altLang="en-US" dirty="0"/>
@@ -3337,6 +3542,7 @@
         <p:nvCxnSpPr>
           <p:cNvPr id="13" name="직선 화살표 연결선 12"/>
           <p:cNvCxnSpPr>
+            <a:cxnSpLocks/>
             <a:stCxn id="8" idx="0"/>
             <a:endCxn id="6" idx="2"/>
           </p:cNvCxnSpPr>
@@ -3344,8 +3550,8 @@
         </p:nvCxnSpPr>
         <p:spPr>
           <a:xfrm flipV="1">
-            <a:off x="3016134" y="2283230"/>
-            <a:ext cx="1" cy="933793"/>
+            <a:off x="3016134" y="4197929"/>
+            <a:ext cx="1" cy="584659"/>
           </a:xfrm>
           <a:prstGeom prst="straightConnector1">
             <a:avLst/>
@@ -3373,6 +3579,7 @@
         <p:nvCxnSpPr>
           <p:cNvPr id="14" name="직선 화살표 연결선 13"/>
           <p:cNvCxnSpPr>
+            <a:cxnSpLocks/>
             <a:stCxn id="9" idx="0"/>
             <a:endCxn id="7" idx="2"/>
           </p:cNvCxnSpPr>
@@ -3380,8 +3587,8 @@
         </p:nvCxnSpPr>
         <p:spPr>
           <a:xfrm flipV="1">
-            <a:off x="6359237" y="2283230"/>
-            <a:ext cx="2121131" cy="933793"/>
+            <a:off x="6359237" y="4197929"/>
+            <a:ext cx="2121131" cy="584659"/>
           </a:xfrm>
           <a:prstGeom prst="straightConnector1">
             <a:avLst/>
@@ -3409,6 +3616,7 @@
         <p:nvCxnSpPr>
           <p:cNvPr id="17" name="직선 화살표 연결선 16"/>
           <p:cNvCxnSpPr>
+            <a:cxnSpLocks/>
             <a:stCxn id="10" idx="0"/>
             <a:endCxn id="7" idx="2"/>
           </p:cNvCxnSpPr>
@@ -3416,8 +3624,8 @@
         </p:nvCxnSpPr>
         <p:spPr>
           <a:xfrm flipV="1">
-            <a:off x="8480368" y="2283230"/>
-            <a:ext cx="0" cy="933793"/>
+            <a:off x="8480368" y="4197929"/>
+            <a:ext cx="0" cy="584659"/>
           </a:xfrm>
           <a:prstGeom prst="straightConnector1">
             <a:avLst/>
@@ -3445,6 +3653,7 @@
         <p:nvCxnSpPr>
           <p:cNvPr id="20" name="직선 화살표 연결선 19"/>
           <p:cNvCxnSpPr>
+            <a:cxnSpLocks/>
             <a:stCxn id="11" idx="0"/>
             <a:endCxn id="7" idx="2"/>
           </p:cNvCxnSpPr>
@@ -3452,8 +3661,8 @@
         </p:nvCxnSpPr>
         <p:spPr>
           <a:xfrm flipH="1" flipV="1">
-            <a:off x="8480368" y="2283230"/>
-            <a:ext cx="2092036" cy="933793"/>
+            <a:off x="8480368" y="4197929"/>
+            <a:ext cx="2092036" cy="584659"/>
           </a:xfrm>
           <a:prstGeom prst="straightConnector1">
             <a:avLst/>
@@ -3481,14 +3690,16 @@
         <p:nvCxnSpPr>
           <p:cNvPr id="23" name="직선 화살표 연결선 22"/>
           <p:cNvCxnSpPr>
+            <a:cxnSpLocks/>
             <a:stCxn id="7" idx="0"/>
+            <a:endCxn id="5" idx="2"/>
           </p:cNvCxnSpPr>
           <p:nvPr/>
         </p:nvCxnSpPr>
         <p:spPr>
           <a:xfrm flipH="1" flipV="1">
-            <a:off x="5636029" y="1382685"/>
-            <a:ext cx="2844339" cy="584661"/>
+            <a:off x="5606935" y="2992580"/>
+            <a:ext cx="2873433" cy="540330"/>
           </a:xfrm>
           <a:prstGeom prst="straightConnector1">
             <a:avLst/>
@@ -3516,6 +3727,7 @@
         <p:nvCxnSpPr>
           <p:cNvPr id="25" name="직선 화살표 연결선 24"/>
           <p:cNvCxnSpPr>
+            <a:cxnSpLocks/>
             <a:stCxn id="6" idx="0"/>
             <a:endCxn id="5" idx="2"/>
           </p:cNvCxnSpPr>
@@ -3523,8 +3735,8 @@
         </p:nvCxnSpPr>
         <p:spPr>
           <a:xfrm flipV="1">
-            <a:off x="3016135" y="1382684"/>
-            <a:ext cx="2590800" cy="584662"/>
+            <a:off x="3016135" y="2992580"/>
+            <a:ext cx="2590800" cy="540330"/>
           </a:xfrm>
           <a:prstGeom prst="straightConnector1">
             <a:avLst/>
@@ -3552,6 +3764,7 @@
         <p:nvCxnSpPr>
           <p:cNvPr id="28" name="직선 화살표 연결선 27"/>
           <p:cNvCxnSpPr>
+            <a:cxnSpLocks/>
             <a:stCxn id="5" idx="0"/>
             <a:endCxn id="4" idx="2"/>
           </p:cNvCxnSpPr>
@@ -3559,8 +3772,8 @@
         </p:nvCxnSpPr>
         <p:spPr>
           <a:xfrm flipV="1">
-            <a:off x="5606935" y="615142"/>
-            <a:ext cx="0" cy="451658"/>
+            <a:off x="5606935" y="1715195"/>
+            <a:ext cx="0" cy="612366"/>
           </a:xfrm>
           <a:prstGeom prst="straightConnector1">
             <a:avLst/>
@@ -3584,6 +3797,275 @@
           </a:fontRef>
         </p:style>
       </p:cxnSp>
+      <p:sp>
+        <p:nvSpPr>
+          <p:cNvPr id="37" name="직사각형 36">
+            <a:extLst>
+              <a:ext uri="{FF2B5EF4-FFF2-40B4-BE49-F238E27FC236}">
+                <a16:creationId xmlns:a16="http://schemas.microsoft.com/office/drawing/2014/main" id="{B455865D-A595-AAFD-76F0-80862F8DF7FE}"/>
+              </a:ext>
+            </a:extLst>
+          </p:cNvPr>
+          <p:cNvSpPr/>
+          <p:nvPr/>
+        </p:nvSpPr>
+        <p:spPr>
+          <a:xfrm>
+            <a:off x="8480367" y="767545"/>
+            <a:ext cx="1493853" cy="321648"/>
+          </a:xfrm>
+          <a:prstGeom prst="rect">
+            <a:avLst/>
+          </a:prstGeom>
+        </p:spPr>
+        <p:style>
+          <a:lnRef idx="2">
+            <a:schemeClr val="accent1">
+              <a:shade val="50000"/>
+            </a:schemeClr>
+          </a:lnRef>
+          <a:fillRef idx="1">
+            <a:schemeClr val="accent1"/>
+          </a:fillRef>
+          <a:effectRef idx="0">
+            <a:schemeClr val="accent1"/>
+          </a:effectRef>
+          <a:fontRef idx="minor">
+            <a:schemeClr val="lt1"/>
+          </a:fontRef>
+        </p:style>
+        <p:txBody>
+          <a:bodyPr rtlCol="0" anchor="ctr"/>
+          <a:lstStyle/>
+          <a:p>
+            <a:pPr algn="ctr"/>
+            <a:endParaRPr lang="ko-KR" altLang="en-US" dirty="0"/>
+          </a:p>
+        </p:txBody>
+      </p:sp>
+      <p:sp>
+        <p:nvSpPr>
+          <p:cNvPr id="38" name="직사각형 37">
+            <a:extLst>
+              <a:ext uri="{FF2B5EF4-FFF2-40B4-BE49-F238E27FC236}">
+                <a16:creationId xmlns:a16="http://schemas.microsoft.com/office/drawing/2014/main" id="{29B25C07-A9DF-E764-5CF4-FD21EDB03736}"/>
+              </a:ext>
+            </a:extLst>
+          </p:cNvPr>
+          <p:cNvSpPr/>
+          <p:nvPr/>
+        </p:nvSpPr>
+        <p:spPr>
+          <a:xfrm>
+            <a:off x="8480367" y="1257996"/>
+            <a:ext cx="1489122" cy="321649"/>
+          </a:xfrm>
+          <a:prstGeom prst="rect">
+            <a:avLst/>
+          </a:prstGeom>
+          <a:solidFill>
+            <a:schemeClr val="bg1">
+              <a:lumMod val="75000"/>
+            </a:schemeClr>
+          </a:solidFill>
+        </p:spPr>
+        <p:style>
+          <a:lnRef idx="2">
+            <a:schemeClr val="accent1">
+              <a:shade val="50000"/>
+            </a:schemeClr>
+          </a:lnRef>
+          <a:fillRef idx="1">
+            <a:schemeClr val="accent1"/>
+          </a:fillRef>
+          <a:effectRef idx="0">
+            <a:schemeClr val="accent1"/>
+          </a:effectRef>
+          <a:fontRef idx="minor">
+            <a:schemeClr val="lt1"/>
+          </a:fontRef>
+        </p:style>
+        <p:txBody>
+          <a:bodyPr rtlCol="0" anchor="ctr"/>
+          <a:lstStyle/>
+          <a:p>
+            <a:pPr algn="ctr"/>
+            <a:endParaRPr lang="ko-KR" altLang="en-US" dirty="0"/>
+          </a:p>
+        </p:txBody>
+      </p:sp>
+      <p:sp>
+        <p:nvSpPr>
+          <p:cNvPr id="41" name="직사각형 40">
+            <a:extLst>
+              <a:ext uri="{FF2B5EF4-FFF2-40B4-BE49-F238E27FC236}">
+                <a16:creationId xmlns:a16="http://schemas.microsoft.com/office/drawing/2014/main" id="{8A74BB00-4DC7-F55D-2A3F-9448E002696B}"/>
+              </a:ext>
+            </a:extLst>
+          </p:cNvPr>
+          <p:cNvSpPr/>
+          <p:nvPr/>
+        </p:nvSpPr>
+        <p:spPr>
+          <a:xfrm>
+            <a:off x="8480367" y="1780311"/>
+            <a:ext cx="1489122" cy="321649"/>
+          </a:xfrm>
+          <a:prstGeom prst="rect">
+            <a:avLst/>
+          </a:prstGeom>
+          <a:solidFill>
+            <a:schemeClr val="accent2"/>
+          </a:solidFill>
+        </p:spPr>
+        <p:style>
+          <a:lnRef idx="2">
+            <a:schemeClr val="accent1">
+              <a:shade val="50000"/>
+            </a:schemeClr>
+          </a:lnRef>
+          <a:fillRef idx="1">
+            <a:schemeClr val="accent1"/>
+          </a:fillRef>
+          <a:effectRef idx="0">
+            <a:schemeClr val="accent1"/>
+          </a:effectRef>
+          <a:fontRef idx="minor">
+            <a:schemeClr val="lt1"/>
+          </a:fontRef>
+        </p:style>
+        <p:txBody>
+          <a:bodyPr rtlCol="0" anchor="ctr"/>
+          <a:lstStyle/>
+          <a:p>
+            <a:pPr algn="ctr"/>
+            <a:endParaRPr lang="en-US" altLang="ko-KR" dirty="0"/>
+          </a:p>
+        </p:txBody>
+      </p:sp>
+      <p:sp>
+        <p:nvSpPr>
+          <p:cNvPr id="43" name="TextBox 42">
+            <a:extLst>
+              <a:ext uri="{FF2B5EF4-FFF2-40B4-BE49-F238E27FC236}">
+                <a16:creationId xmlns:a16="http://schemas.microsoft.com/office/drawing/2014/main" id="{99A078BE-FA73-DC0E-8150-CC4D8B105715}"/>
+              </a:ext>
+            </a:extLst>
+          </p:cNvPr>
+          <p:cNvSpPr txBox="1"/>
+          <p:nvPr/>
+        </p:nvSpPr>
+        <p:spPr>
+          <a:xfrm>
+            <a:off x="10172700" y="665945"/>
+            <a:ext cx="1816100" cy="1015663"/>
+          </a:xfrm>
+          <a:prstGeom prst="rect">
+            <a:avLst/>
+          </a:prstGeom>
+          <a:noFill/>
+        </p:spPr>
+        <p:txBody>
+          <a:bodyPr wrap="square" rtlCol="0">
+            <a:spAutoFit/>
+          </a:bodyPr>
+          <a:lstStyle/>
+          <a:p>
+            <a:r>
+              <a:rPr lang="en-US" altLang="ko-KR" sz="2400" b="1" dirty="0"/>
+              <a:t>: Sequence</a:t>
+            </a:r>
+          </a:p>
+          <a:p>
+            <a:endParaRPr lang="en-US" altLang="ko-KR" dirty="0"/>
+          </a:p>
+          <a:p>
+            <a:endParaRPr lang="ko-KR" altLang="en-US" dirty="0"/>
+          </a:p>
+        </p:txBody>
+      </p:sp>
+      <p:sp>
+        <p:nvSpPr>
+          <p:cNvPr id="44" name="TextBox 43">
+            <a:extLst>
+              <a:ext uri="{FF2B5EF4-FFF2-40B4-BE49-F238E27FC236}">
+                <a16:creationId xmlns:a16="http://schemas.microsoft.com/office/drawing/2014/main" id="{78BEF9DA-E8E1-0F63-908D-21B28A2C7CF9}"/>
+              </a:ext>
+            </a:extLst>
+          </p:cNvPr>
+          <p:cNvSpPr txBox="1"/>
+          <p:nvPr/>
+        </p:nvSpPr>
+        <p:spPr>
+          <a:xfrm>
+            <a:off x="10191578" y="1166621"/>
+            <a:ext cx="1816100" cy="1015663"/>
+          </a:xfrm>
+          <a:prstGeom prst="rect">
+            <a:avLst/>
+          </a:prstGeom>
+          <a:noFill/>
+        </p:spPr>
+        <p:txBody>
+          <a:bodyPr wrap="square" rtlCol="0">
+            <a:spAutoFit/>
+          </a:bodyPr>
+          <a:lstStyle/>
+          <a:p>
+            <a:r>
+              <a:rPr lang="en-US" altLang="ko-KR" sz="2400" b="1" dirty="0"/>
+              <a:t>: Selector</a:t>
+            </a:r>
+          </a:p>
+          <a:p>
+            <a:endParaRPr lang="en-US" altLang="ko-KR" dirty="0"/>
+          </a:p>
+          <a:p>
+            <a:endParaRPr lang="ko-KR" altLang="en-US" dirty="0"/>
+          </a:p>
+        </p:txBody>
+      </p:sp>
+      <p:sp>
+        <p:nvSpPr>
+          <p:cNvPr id="45" name="TextBox 44">
+            <a:extLst>
+              <a:ext uri="{FF2B5EF4-FFF2-40B4-BE49-F238E27FC236}">
+                <a16:creationId xmlns:a16="http://schemas.microsoft.com/office/drawing/2014/main" id="{72B1B950-CD00-00B9-8BF5-97FE97D7AD11}"/>
+              </a:ext>
+            </a:extLst>
+          </p:cNvPr>
+          <p:cNvSpPr txBox="1"/>
+          <p:nvPr/>
+        </p:nvSpPr>
+        <p:spPr>
+          <a:xfrm>
+            <a:off x="10191578" y="1644407"/>
+            <a:ext cx="1816100" cy="1015663"/>
+          </a:xfrm>
+          <a:prstGeom prst="rect">
+            <a:avLst/>
+          </a:prstGeom>
+          <a:noFill/>
+        </p:spPr>
+        <p:txBody>
+          <a:bodyPr wrap="square" rtlCol="0">
+            <a:spAutoFit/>
+          </a:bodyPr>
+          <a:lstStyle/>
+          <a:p>
+            <a:r>
+              <a:rPr lang="en-US" altLang="ko-KR" sz="2400" b="1" dirty="0"/>
+              <a:t>: Node</a:t>
+            </a:r>
+          </a:p>
+          <a:p>
+            <a:endParaRPr lang="en-US" altLang="ko-KR" dirty="0"/>
+          </a:p>
+          <a:p>
+            <a:endParaRPr lang="ko-KR" altLang="en-US" dirty="0"/>
+          </a:p>
+        </p:txBody>
+      </p:sp>
     </p:spTree>
     <p:extLst>
       <p:ext uri="{BB962C8B-B14F-4D97-AF65-F5344CB8AC3E}">
